--- a/Myrestartskaerm.pptx
+++ b/Myrestartskaerm.pptx
@@ -10,6 +10,7 @@
     <p:sldId id="258" r:id="rId4"/>
     <p:sldId id="260" r:id="rId5"/>
     <p:sldId id="259" r:id="rId6"/>
+    <p:sldId id="261" r:id="rId7"/>
   </p:sldIdLst>
   <p:sldSz cx="12192000" cy="6858000"/>
   <p:notesSz cx="6858000" cy="9144000"/>
@@ -258,7 +259,7 @@
           <a:p>
             <a:fld id="{A476F14B-F7E0-4BB8-BEDF-B5AB8B27A77B}" type="datetimeFigureOut">
               <a:rPr lang="da-DK" smtClean="0"/>
-              <a:t>14-09-2022</a:t>
+              <a:t>15-09-2022</a:t>
             </a:fld>
             <a:endParaRPr lang="da-DK"/>
           </a:p>
@@ -428,7 +429,7 @@
           <a:p>
             <a:fld id="{A476F14B-F7E0-4BB8-BEDF-B5AB8B27A77B}" type="datetimeFigureOut">
               <a:rPr lang="da-DK" smtClean="0"/>
-              <a:t>14-09-2022</a:t>
+              <a:t>15-09-2022</a:t>
             </a:fld>
             <a:endParaRPr lang="da-DK"/>
           </a:p>
@@ -608,7 +609,7 @@
           <a:p>
             <a:fld id="{A476F14B-F7E0-4BB8-BEDF-B5AB8B27A77B}" type="datetimeFigureOut">
               <a:rPr lang="da-DK" smtClean="0"/>
-              <a:t>14-09-2022</a:t>
+              <a:t>15-09-2022</a:t>
             </a:fld>
             <a:endParaRPr lang="da-DK"/>
           </a:p>
@@ -778,7 +779,7 @@
           <a:p>
             <a:fld id="{A476F14B-F7E0-4BB8-BEDF-B5AB8B27A77B}" type="datetimeFigureOut">
               <a:rPr lang="da-DK" smtClean="0"/>
-              <a:t>14-09-2022</a:t>
+              <a:t>15-09-2022</a:t>
             </a:fld>
             <a:endParaRPr lang="da-DK"/>
           </a:p>
@@ -1024,7 +1025,7 @@
           <a:p>
             <a:fld id="{A476F14B-F7E0-4BB8-BEDF-B5AB8B27A77B}" type="datetimeFigureOut">
               <a:rPr lang="da-DK" smtClean="0"/>
-              <a:t>14-09-2022</a:t>
+              <a:t>15-09-2022</a:t>
             </a:fld>
             <a:endParaRPr lang="da-DK"/>
           </a:p>
@@ -1256,7 +1257,7 @@
           <a:p>
             <a:fld id="{A476F14B-F7E0-4BB8-BEDF-B5AB8B27A77B}" type="datetimeFigureOut">
               <a:rPr lang="da-DK" smtClean="0"/>
-              <a:t>14-09-2022</a:t>
+              <a:t>15-09-2022</a:t>
             </a:fld>
             <a:endParaRPr lang="da-DK"/>
           </a:p>
@@ -1623,7 +1624,7 @@
           <a:p>
             <a:fld id="{A476F14B-F7E0-4BB8-BEDF-B5AB8B27A77B}" type="datetimeFigureOut">
               <a:rPr lang="da-DK" smtClean="0"/>
-              <a:t>14-09-2022</a:t>
+              <a:t>15-09-2022</a:t>
             </a:fld>
             <a:endParaRPr lang="da-DK"/>
           </a:p>
@@ -1741,7 +1742,7 @@
           <a:p>
             <a:fld id="{A476F14B-F7E0-4BB8-BEDF-B5AB8B27A77B}" type="datetimeFigureOut">
               <a:rPr lang="da-DK" smtClean="0"/>
-              <a:t>14-09-2022</a:t>
+              <a:t>15-09-2022</a:t>
             </a:fld>
             <a:endParaRPr lang="da-DK"/>
           </a:p>
@@ -1836,7 +1837,7 @@
           <a:p>
             <a:fld id="{A476F14B-F7E0-4BB8-BEDF-B5AB8B27A77B}" type="datetimeFigureOut">
               <a:rPr lang="da-DK" smtClean="0"/>
-              <a:t>14-09-2022</a:t>
+              <a:t>15-09-2022</a:t>
             </a:fld>
             <a:endParaRPr lang="da-DK"/>
           </a:p>
@@ -2113,7 +2114,7 @@
           <a:p>
             <a:fld id="{A476F14B-F7E0-4BB8-BEDF-B5AB8B27A77B}" type="datetimeFigureOut">
               <a:rPr lang="da-DK" smtClean="0"/>
-              <a:t>14-09-2022</a:t>
+              <a:t>15-09-2022</a:t>
             </a:fld>
             <a:endParaRPr lang="da-DK"/>
           </a:p>
@@ -2370,7 +2371,7 @@
           <a:p>
             <a:fld id="{A476F14B-F7E0-4BB8-BEDF-B5AB8B27A77B}" type="datetimeFigureOut">
               <a:rPr lang="da-DK" smtClean="0"/>
-              <a:t>14-09-2022</a:t>
+              <a:t>15-09-2022</a:t>
             </a:fld>
             <a:endParaRPr lang="da-DK"/>
           </a:p>
@@ -2583,7 +2584,7 @@
           <a:p>
             <a:fld id="{A476F14B-F7E0-4BB8-BEDF-B5AB8B27A77B}" type="datetimeFigureOut">
               <a:rPr lang="da-DK" smtClean="0"/>
-              <a:t>14-09-2022</a:t>
+              <a:t>15-09-2022</a:t>
             </a:fld>
             <a:endParaRPr lang="da-DK"/>
           </a:p>
@@ -3017,8 +3018,8 @@
         </p:blipFill>
         <p:spPr bwMode="auto">
           <a:xfrm>
-            <a:off x="-5952040" y="-3405479"/>
-            <a:ext cx="13715629" cy="13715629"/>
+            <a:off x="-5952039" y="1739632"/>
+            <a:ext cx="8570518" cy="8570518"/>
           </a:xfrm>
           <a:prstGeom prst="rect">
             <a:avLst/>
@@ -4699,6 +4700,71 @@
           </a:p>
         </p:txBody>
       </p:sp>
+      <p:sp>
+        <p:nvSpPr>
+          <p:cNvPr id="3" name="Rektangel: afrundede hjørner 2">
+            <a:extLst>
+              <a:ext uri="{FF2B5EF4-FFF2-40B4-BE49-F238E27FC236}">
+                <a16:creationId xmlns:a16="http://schemas.microsoft.com/office/drawing/2014/main" id="{D2FA0562-92FA-F45B-4745-979920B2B5C9}"/>
+              </a:ext>
+            </a:extLst>
+          </p:cNvPr>
+          <p:cNvSpPr/>
+          <p:nvPr/>
+        </p:nvSpPr>
+        <p:spPr>
+          <a:xfrm>
+            <a:off x="6220460" y="440684"/>
+            <a:ext cx="5349106" cy="1800000"/>
+          </a:xfrm>
+          <a:prstGeom prst="roundRect">
+            <a:avLst/>
+          </a:prstGeom>
+          <a:solidFill>
+            <a:srgbClr val="66FF66"/>
+          </a:solidFill>
+          <a:ln w="76200">
+            <a:solidFill>
+              <a:srgbClr val="33CC33"/>
+            </a:solidFill>
+          </a:ln>
+        </p:spPr>
+        <p:style>
+          <a:lnRef idx="2">
+            <a:schemeClr val="accent1">
+              <a:shade val="50000"/>
+            </a:schemeClr>
+          </a:lnRef>
+          <a:fillRef idx="1">
+            <a:schemeClr val="accent1"/>
+          </a:fillRef>
+          <a:effectRef idx="0">
+            <a:schemeClr val="accent1"/>
+          </a:effectRef>
+          <a:fontRef idx="minor">
+            <a:schemeClr val="lt1"/>
+          </a:fontRef>
+        </p:style>
+        <p:txBody>
+          <a:bodyPr rtlCol="0" anchor="ctr"/>
+          <a:lstStyle/>
+          <a:p>
+            <a:pPr algn="ctr"/>
+            <a:r>
+              <a:rPr lang="da-DK" sz="9313" b="1" dirty="0">
+                <a:solidFill>
+                  <a:schemeClr val="tx1"/>
+                </a:solidFill>
+                <a:latin typeface="Ant" panose="02000600000000000000" pitchFamily="50" charset="0"/>
+              </a:rPr>
+              <a:t>GENSTART</a:t>
+            </a:r>
+            <a:endParaRPr lang="da-DK" sz="9313" b="1" dirty="0">
+              <a:latin typeface="Ant" panose="02000600000000000000" pitchFamily="50" charset="0"/>
+            </a:endParaRPr>
+          </a:p>
+        </p:txBody>
+      </p:sp>
     </p:spTree>
     <p:extLst>
       <p:ext uri="{BB962C8B-B14F-4D97-AF65-F5344CB8AC3E}">
@@ -5024,6 +5090,310 @@
     <p:extLst>
       <p:ext uri="{BB962C8B-B14F-4D97-AF65-F5344CB8AC3E}">
         <p14:creationId xmlns:p14="http://schemas.microsoft.com/office/powerpoint/2010/main" val="350403489"/>
+      </p:ext>
+    </p:extLst>
+  </p:cSld>
+  <p:clrMapOvr>
+    <a:masterClrMapping/>
+  </p:clrMapOvr>
+</p:sld>
+</file>
+
+<file path=ppt/slides/slide6.xml><?xml version="1.0" encoding="utf-8"?>
+<p:sld xmlns:a="http://schemas.openxmlformats.org/drawingml/2006/main" xmlns:r="http://schemas.openxmlformats.org/officeDocument/2006/relationships" xmlns:p="http://schemas.openxmlformats.org/presentationml/2006/main">
+  <p:cSld>
+    <p:bg>
+      <p:bgPr>
+        <a:solidFill>
+          <a:schemeClr val="bg1">
+            <a:alpha val="0"/>
+          </a:schemeClr>
+        </a:solidFill>
+        <a:effectLst/>
+      </p:bgPr>
+    </p:bg>
+    <p:spTree>
+      <p:nvGrpSpPr>
+        <p:cNvPr id="1" name=""/>
+        <p:cNvGrpSpPr/>
+        <p:nvPr/>
+      </p:nvGrpSpPr>
+      <p:grpSpPr>
+        <a:xfrm>
+          <a:off x="0" y="0"/>
+          <a:ext cx="0" cy="0"/>
+          <a:chOff x="0" y="0"/>
+          <a:chExt cx="0" cy="0"/>
+        </a:xfrm>
+      </p:grpSpPr>
+      <p:pic>
+        <p:nvPicPr>
+          <p:cNvPr id="1026" name="Picture 2" descr="Eksplosionsspil - Spil online nye eksplosionsspil på Desura">
+            <a:extLst>
+              <a:ext uri="{FF2B5EF4-FFF2-40B4-BE49-F238E27FC236}">
+                <a16:creationId xmlns:a16="http://schemas.microsoft.com/office/drawing/2014/main" id="{A1F11513-1559-0F16-7D4F-8E9FA4184BE7}"/>
+              </a:ext>
+            </a:extLst>
+          </p:cNvPr>
+          <p:cNvPicPr>
+            <a:picLocks noChangeAspect="1" noChangeArrowheads="1"/>
+          </p:cNvPicPr>
+          <p:nvPr/>
+        </p:nvPicPr>
+        <p:blipFill rotWithShape="1">
+          <a:blip r:embed="rId2">
+            <a:extLst>
+              <a:ext uri="{28A0092B-C50C-407E-A947-70E740481C1C}">
+                <a14:useLocalDpi xmlns:a14="http://schemas.microsoft.com/office/drawing/2010/main" val="0"/>
+              </a:ext>
+            </a:extLst>
+          </a:blip>
+          <a:srcRect r="9977" b="20703"/>
+          <a:stretch/>
+        </p:blipFill>
+        <p:spPr bwMode="auto">
+          <a:xfrm>
+            <a:off x="7177812" y="409903"/>
+            <a:ext cx="5014188" cy="4036500"/>
+          </a:xfrm>
+          <a:prstGeom prst="rect">
+            <a:avLst/>
+          </a:prstGeom>
+          <a:noFill/>
+          <a:extLst>
+            <a:ext uri="{909E8E84-426E-40DD-AFC4-6F175D3DCCD1}">
+              <a14:hiddenFill xmlns:a14="http://schemas.microsoft.com/office/drawing/2010/main">
+                <a:solidFill>
+                  <a:srgbClr val="FFFFFF"/>
+                </a:solidFill>
+              </a14:hiddenFill>
+            </a:ext>
+          </a:extLst>
+        </p:spPr>
+      </p:pic>
+      <p:sp>
+        <p:nvSpPr>
+          <p:cNvPr id="45" name="Kombinationstegning: figur 44">
+            <a:extLst>
+              <a:ext uri="{FF2B5EF4-FFF2-40B4-BE49-F238E27FC236}">
+                <a16:creationId xmlns:a16="http://schemas.microsoft.com/office/drawing/2014/main" id="{E5151B9F-ABE1-8850-5737-411CF06B6976}"/>
+              </a:ext>
+            </a:extLst>
+          </p:cNvPr>
+          <p:cNvSpPr>
+            <a:spLocks noChangeAspect="1"/>
+          </p:cNvSpPr>
+          <p:nvPr/>
+        </p:nvSpPr>
+        <p:spPr>
+          <a:xfrm>
+            <a:off x="8117251" y="4446403"/>
+            <a:ext cx="3691021" cy="2411597"/>
+          </a:xfrm>
+          <a:custGeom>
+            <a:avLst/>
+            <a:gdLst>
+              <a:gd name="connsiteX0" fmla="*/ 0 w 3691021"/>
+              <a:gd name="connsiteY0" fmla="*/ 0 h 2411597"/>
+              <a:gd name="connsiteX1" fmla="*/ 3691021 w 3691021"/>
+              <a:gd name="connsiteY1" fmla="*/ 0 h 2411597"/>
+              <a:gd name="connsiteX2" fmla="*/ 3208702 w 3691021"/>
+              <a:gd name="connsiteY2" fmla="*/ 2411597 h 2411597"/>
+              <a:gd name="connsiteX3" fmla="*/ 482319 w 3691021"/>
+              <a:gd name="connsiteY3" fmla="*/ 2411597 h 2411597"/>
+            </a:gdLst>
+            <a:ahLst/>
+            <a:cxnLst>
+              <a:cxn ang="0">
+                <a:pos x="connsiteX0" y="connsiteY0"/>
+              </a:cxn>
+              <a:cxn ang="0">
+                <a:pos x="connsiteX1" y="connsiteY1"/>
+              </a:cxn>
+              <a:cxn ang="0">
+                <a:pos x="connsiteX2" y="connsiteY2"/>
+              </a:cxn>
+              <a:cxn ang="0">
+                <a:pos x="connsiteX3" y="connsiteY3"/>
+              </a:cxn>
+            </a:cxnLst>
+            <a:rect l="l" t="t" r="r" b="b"/>
+            <a:pathLst>
+              <a:path w="3691021" h="2411597">
+                <a:moveTo>
+                  <a:pt x="0" y="0"/>
+                </a:moveTo>
+                <a:lnTo>
+                  <a:pt x="3691021" y="0"/>
+                </a:lnTo>
+                <a:lnTo>
+                  <a:pt x="3208702" y="2411597"/>
+                </a:lnTo>
+                <a:lnTo>
+                  <a:pt x="482319" y="2411597"/>
+                </a:lnTo>
+                <a:close/>
+              </a:path>
+            </a:pathLst>
+          </a:custGeom>
+          <a:gradFill flip="none" rotWithShape="1">
+            <a:gsLst>
+              <a:gs pos="0">
+                <a:schemeClr val="accent3">
+                  <a:lumMod val="5000"/>
+                  <a:lumOff val="95000"/>
+                </a:schemeClr>
+              </a:gs>
+              <a:gs pos="0">
+                <a:schemeClr val="accent3">
+                  <a:lumMod val="45000"/>
+                  <a:lumOff val="55000"/>
+                </a:schemeClr>
+              </a:gs>
+              <a:gs pos="52000">
+                <a:schemeClr val="bg1">
+                  <a:lumMod val="50000"/>
+                </a:schemeClr>
+              </a:gs>
+              <a:gs pos="100000">
+                <a:schemeClr val="accent3">
+                  <a:lumMod val="30000"/>
+                  <a:lumOff val="70000"/>
+                </a:schemeClr>
+              </a:gs>
+            </a:gsLst>
+            <a:lin ang="5400000" scaled="1"/>
+            <a:tileRect/>
+          </a:gradFill>
+          <a:ln w="28575">
+            <a:solidFill>
+              <a:schemeClr val="bg1">
+                <a:lumMod val="50000"/>
+              </a:schemeClr>
+            </a:solidFill>
+          </a:ln>
+        </p:spPr>
+        <p:style>
+          <a:lnRef idx="2">
+            <a:schemeClr val="accent1">
+              <a:shade val="50000"/>
+            </a:schemeClr>
+          </a:lnRef>
+          <a:fillRef idx="1">
+            <a:schemeClr val="accent1"/>
+          </a:fillRef>
+          <a:effectRef idx="0">
+            <a:schemeClr val="accent1"/>
+          </a:effectRef>
+          <a:fontRef idx="minor">
+            <a:schemeClr val="lt1"/>
+          </a:fontRef>
+        </p:style>
+        <p:txBody>
+          <a:bodyPr wrap="square" rtlCol="0" anchor="ctr">
+            <a:noAutofit/>
+          </a:bodyPr>
+          <a:lstStyle/>
+          <a:p>
+            <a:pPr algn="ctr"/>
+            <a:endParaRPr lang="da-DK" sz="6049" dirty="0"/>
+          </a:p>
+        </p:txBody>
+      </p:sp>
+      <p:sp>
+        <p:nvSpPr>
+          <p:cNvPr id="11" name="Tekstfelt 10">
+            <a:extLst>
+              <a:ext uri="{FF2B5EF4-FFF2-40B4-BE49-F238E27FC236}">
+                <a16:creationId xmlns:a16="http://schemas.microsoft.com/office/drawing/2014/main" id="{2C86DE58-A747-8128-9D2D-0EBC107564BE}"/>
+              </a:ext>
+            </a:extLst>
+          </p:cNvPr>
+          <p:cNvSpPr txBox="1"/>
+          <p:nvPr/>
+        </p:nvSpPr>
+        <p:spPr>
+          <a:xfrm>
+            <a:off x="1" y="0"/>
+            <a:ext cx="12191999" cy="1569660"/>
+          </a:xfrm>
+          <a:prstGeom prst="rect">
+            <a:avLst/>
+          </a:prstGeom>
+          <a:noFill/>
+        </p:spPr>
+        <p:txBody>
+          <a:bodyPr wrap="square" rtlCol="0" anchor="ctr">
+            <a:spAutoFit/>
+          </a:bodyPr>
+          <a:lstStyle/>
+          <a:p>
+            <a:pPr algn="ctr"/>
+            <a:r>
+              <a:rPr lang="da-DK" sz="6000" b="1" dirty="0">
+                <a:solidFill>
+                  <a:srgbClr val="FF0000"/>
+                </a:solidFill>
+                <a:latin typeface="Ant" panose="02000600000000000000" pitchFamily="50" charset="0"/>
+              </a:rPr>
+              <a:t>DU TABTE</a:t>
+            </a:r>
+          </a:p>
+          <a:p>
+            <a:pPr algn="ctr"/>
+            <a:r>
+              <a:rPr lang="da-DK" sz="3600" b="1" dirty="0">
+                <a:solidFill>
+                  <a:schemeClr val="bg1">
+                    <a:lumMod val="95000"/>
+                  </a:schemeClr>
+                </a:solidFill>
+                <a:latin typeface="Ant" panose="02000600000000000000" pitchFamily="50" charset="0"/>
+              </a:rPr>
+              <a:t>FORKERT SORTERET</a:t>
+            </a:r>
+          </a:p>
+        </p:txBody>
+      </p:sp>
+      <p:pic>
+        <p:nvPicPr>
+          <p:cNvPr id="51" name="Billede 50">
+            <a:extLst>
+              <a:ext uri="{FF2B5EF4-FFF2-40B4-BE49-F238E27FC236}">
+                <a16:creationId xmlns:a16="http://schemas.microsoft.com/office/drawing/2014/main" id="{73FCA59D-5A4C-450F-07DB-3A9B6392AD05}"/>
+              </a:ext>
+            </a:extLst>
+          </p:cNvPr>
+          <p:cNvPicPr>
+            <a:picLocks noChangeAspect="1"/>
+          </p:cNvPicPr>
+          <p:nvPr/>
+        </p:nvPicPr>
+        <p:blipFill rotWithShape="1">
+          <a:blip r:embed="rId3">
+            <a:extLst>
+              <a:ext uri="{28A0092B-C50C-407E-A947-70E740481C1C}">
+                <a14:useLocalDpi xmlns:a14="http://schemas.microsoft.com/office/drawing/2010/main" val="0"/>
+              </a:ext>
+            </a:extLst>
+          </a:blip>
+          <a:srcRect b="10652"/>
+          <a:stretch/>
+        </p:blipFill>
+        <p:spPr>
+          <a:xfrm>
+            <a:off x="666848" y="2142967"/>
+            <a:ext cx="3407901" cy="4715033"/>
+          </a:xfrm>
+          <a:prstGeom prst="rect">
+            <a:avLst/>
+          </a:prstGeom>
+        </p:spPr>
+      </p:pic>
+    </p:spTree>
+    <p:extLst>
+      <p:ext uri="{BB962C8B-B14F-4D97-AF65-F5344CB8AC3E}">
+        <p14:creationId xmlns:p14="http://schemas.microsoft.com/office/powerpoint/2010/main" val="2831413755"/>
       </p:ext>
     </p:extLst>
   </p:cSld>

--- a/Myrestartskaerm.pptx
+++ b/Myrestartskaerm.pptx
@@ -259,7 +259,7 @@
           <a:p>
             <a:fld id="{A476F14B-F7E0-4BB8-BEDF-B5AB8B27A77B}" type="datetimeFigureOut">
               <a:rPr lang="da-DK" smtClean="0"/>
-              <a:t>15-09-2022</a:t>
+              <a:t>16-09-2022</a:t>
             </a:fld>
             <a:endParaRPr lang="da-DK"/>
           </a:p>
@@ -429,7 +429,7 @@
           <a:p>
             <a:fld id="{A476F14B-F7E0-4BB8-BEDF-B5AB8B27A77B}" type="datetimeFigureOut">
               <a:rPr lang="da-DK" smtClean="0"/>
-              <a:t>15-09-2022</a:t>
+              <a:t>16-09-2022</a:t>
             </a:fld>
             <a:endParaRPr lang="da-DK"/>
           </a:p>
@@ -609,7 +609,7 @@
           <a:p>
             <a:fld id="{A476F14B-F7E0-4BB8-BEDF-B5AB8B27A77B}" type="datetimeFigureOut">
               <a:rPr lang="da-DK" smtClean="0"/>
-              <a:t>15-09-2022</a:t>
+              <a:t>16-09-2022</a:t>
             </a:fld>
             <a:endParaRPr lang="da-DK"/>
           </a:p>
@@ -779,7 +779,7 @@
           <a:p>
             <a:fld id="{A476F14B-F7E0-4BB8-BEDF-B5AB8B27A77B}" type="datetimeFigureOut">
               <a:rPr lang="da-DK" smtClean="0"/>
-              <a:t>15-09-2022</a:t>
+              <a:t>16-09-2022</a:t>
             </a:fld>
             <a:endParaRPr lang="da-DK"/>
           </a:p>
@@ -1025,7 +1025,7 @@
           <a:p>
             <a:fld id="{A476F14B-F7E0-4BB8-BEDF-B5AB8B27A77B}" type="datetimeFigureOut">
               <a:rPr lang="da-DK" smtClean="0"/>
-              <a:t>15-09-2022</a:t>
+              <a:t>16-09-2022</a:t>
             </a:fld>
             <a:endParaRPr lang="da-DK"/>
           </a:p>
@@ -1257,7 +1257,7 @@
           <a:p>
             <a:fld id="{A476F14B-F7E0-4BB8-BEDF-B5AB8B27A77B}" type="datetimeFigureOut">
               <a:rPr lang="da-DK" smtClean="0"/>
-              <a:t>15-09-2022</a:t>
+              <a:t>16-09-2022</a:t>
             </a:fld>
             <a:endParaRPr lang="da-DK"/>
           </a:p>
@@ -1624,7 +1624,7 @@
           <a:p>
             <a:fld id="{A476F14B-F7E0-4BB8-BEDF-B5AB8B27A77B}" type="datetimeFigureOut">
               <a:rPr lang="da-DK" smtClean="0"/>
-              <a:t>15-09-2022</a:t>
+              <a:t>16-09-2022</a:t>
             </a:fld>
             <a:endParaRPr lang="da-DK"/>
           </a:p>
@@ -1742,7 +1742,7 @@
           <a:p>
             <a:fld id="{A476F14B-F7E0-4BB8-BEDF-B5AB8B27A77B}" type="datetimeFigureOut">
               <a:rPr lang="da-DK" smtClean="0"/>
-              <a:t>15-09-2022</a:t>
+              <a:t>16-09-2022</a:t>
             </a:fld>
             <a:endParaRPr lang="da-DK"/>
           </a:p>
@@ -1837,7 +1837,7 @@
           <a:p>
             <a:fld id="{A476F14B-F7E0-4BB8-BEDF-B5AB8B27A77B}" type="datetimeFigureOut">
               <a:rPr lang="da-DK" smtClean="0"/>
-              <a:t>15-09-2022</a:t>
+              <a:t>16-09-2022</a:t>
             </a:fld>
             <a:endParaRPr lang="da-DK"/>
           </a:p>
@@ -2114,7 +2114,7 @@
           <a:p>
             <a:fld id="{A476F14B-F7E0-4BB8-BEDF-B5AB8B27A77B}" type="datetimeFigureOut">
               <a:rPr lang="da-DK" smtClean="0"/>
-              <a:t>15-09-2022</a:t>
+              <a:t>16-09-2022</a:t>
             </a:fld>
             <a:endParaRPr lang="da-DK"/>
           </a:p>
@@ -2371,7 +2371,7 @@
           <a:p>
             <a:fld id="{A476F14B-F7E0-4BB8-BEDF-B5AB8B27A77B}" type="datetimeFigureOut">
               <a:rPr lang="da-DK" smtClean="0"/>
-              <a:t>15-09-2022</a:t>
+              <a:t>16-09-2022</a:t>
             </a:fld>
             <a:endParaRPr lang="da-DK"/>
           </a:p>
@@ -2584,7 +2584,7 @@
           <a:p>
             <a:fld id="{A476F14B-F7E0-4BB8-BEDF-B5AB8B27A77B}" type="datetimeFigureOut">
               <a:rPr lang="da-DK" smtClean="0"/>
-              <a:t>15-09-2022</a:t>
+              <a:t>16-09-2022</a:t>
             </a:fld>
             <a:endParaRPr lang="da-DK"/>
           </a:p>
@@ -4488,8 +4488,8 @@
         </p:nvSpPr>
         <p:spPr>
           <a:xfrm>
-            <a:off x="3500120" y="3095916"/>
-            <a:ext cx="5440680" cy="1077218"/>
+            <a:off x="4492948" y="2790469"/>
+            <a:ext cx="4659519" cy="1569660"/>
           </a:xfrm>
           <a:prstGeom prst="rect">
             <a:avLst/>
@@ -4506,15 +4506,7 @@
               <a:rPr lang="da-DK" sz="3200" b="1" dirty="0">
                 <a:latin typeface="Ant" panose="02000600000000000000" pitchFamily="50" charset="0"/>
               </a:rPr>
-              <a:t>FA DET RIGTIGE SKRALD NED I </a:t>
-            </a:r>
-          </a:p>
-          <a:p>
-            <a:r>
-              <a:rPr lang="da-DK" sz="3200" b="1" dirty="0">
-                <a:latin typeface="Ant" panose="02000600000000000000" pitchFamily="50" charset="0"/>
-              </a:rPr>
-              <a:t>DEN RIGTIGE SKRALDESPAND</a:t>
+              <a:t>FOR AT FINDE HVILKET SKRALD HORE TIL HVILKEN SPAND KLIK PA</a:t>
             </a:r>
           </a:p>
         </p:txBody>
@@ -4533,7 +4525,7 @@
         </p:nvSpPr>
         <p:spPr>
           <a:xfrm rot="5400000">
-            <a:off x="3590349" y="3146528"/>
+            <a:off x="6773504" y="3809764"/>
             <a:ext cx="629047" cy="382786"/>
           </a:xfrm>
           <a:prstGeom prst="rect">
@@ -4582,7 +4574,7 @@
         </p:nvSpPr>
         <p:spPr>
           <a:xfrm>
-            <a:off x="4174067" y="4745254"/>
+            <a:off x="-1186780" y="4876197"/>
             <a:ext cx="3600000" cy="1440000"/>
           </a:xfrm>
           <a:prstGeom prst="roundRect">
@@ -4654,7 +4646,7 @@
         </p:nvSpPr>
         <p:spPr>
           <a:xfrm rot="5400000">
-            <a:off x="6616266" y="5105254"/>
+            <a:off x="1255419" y="5236197"/>
             <a:ext cx="720000" cy="720000"/>
           </a:xfrm>
           <a:prstGeom prst="triangle">
@@ -4761,6 +4753,91 @@
             </a:r>
             <a:endParaRPr lang="da-DK" sz="9313" b="1" dirty="0">
               <a:latin typeface="Ant" panose="02000600000000000000" pitchFamily="50" charset="0"/>
+            </a:endParaRPr>
+          </a:p>
+        </p:txBody>
+      </p:sp>
+      <p:pic>
+        <p:nvPicPr>
+          <p:cNvPr id="4" name="Billede 3" descr="Et billede, der indeholder tekst, skilt&#10;&#10;Automatisk genereret beskrivelse">
+            <a:extLst>
+              <a:ext uri="{FF2B5EF4-FFF2-40B4-BE49-F238E27FC236}">
+                <a16:creationId xmlns:a16="http://schemas.microsoft.com/office/drawing/2014/main" id="{14EF4BE0-4B48-4CE8-60EC-3566ABE0DF5C}"/>
+              </a:ext>
+            </a:extLst>
+          </p:cNvPr>
+          <p:cNvPicPr>
+            <a:picLocks noChangeAspect="1"/>
+          </p:cNvPicPr>
+          <p:nvPr/>
+        </p:nvPicPr>
+        <p:blipFill>
+          <a:blip r:embed="rId2">
+            <a:extLst>
+              <a:ext uri="{28A0092B-C50C-407E-A947-70E740481C1C}">
+                <a14:useLocalDpi xmlns:a14="http://schemas.microsoft.com/office/drawing/2010/main" val="0"/>
+              </a:ext>
+            </a:extLst>
+          </a:blip>
+          <a:stretch>
+            <a:fillRect/>
+          </a:stretch>
+        </p:blipFill>
+        <p:spPr>
+          <a:xfrm>
+            <a:off x="7336266" y="3798790"/>
+            <a:ext cx="529692" cy="516891"/>
+          </a:xfrm>
+          <a:prstGeom prst="rect">
+            <a:avLst/>
+          </a:prstGeom>
+        </p:spPr>
+      </p:pic>
+      <p:sp>
+        <p:nvSpPr>
+          <p:cNvPr id="7" name="Tekstfelt 6">
+            <a:extLst>
+              <a:ext uri="{FF2B5EF4-FFF2-40B4-BE49-F238E27FC236}">
+                <a16:creationId xmlns:a16="http://schemas.microsoft.com/office/drawing/2014/main" id="{FD44180B-4419-556A-D348-472E202DEEF2}"/>
+              </a:ext>
+            </a:extLst>
+          </p:cNvPr>
+          <p:cNvSpPr txBox="1"/>
+          <p:nvPr/>
+        </p:nvSpPr>
+        <p:spPr>
+          <a:xfrm rot="1907924">
+            <a:off x="6170425" y="3464483"/>
+            <a:ext cx="629047" cy="461665"/>
+          </a:xfrm>
+          <a:prstGeom prst="rect">
+            <a:avLst/>
+          </a:prstGeom>
+          <a:noFill/>
+        </p:spPr>
+        <p:txBody>
+          <a:bodyPr wrap="square">
+            <a:spAutoFit/>
+          </a:bodyPr>
+          <a:lstStyle/>
+          <a:p>
+            <a:r>
+              <a:rPr lang="da-DK" sz="2400" b="1" dirty="0">
+                <a:ln>
+                  <a:solidFill>
+                    <a:schemeClr val="tx1"/>
+                  </a:solidFill>
+                </a:ln>
+                <a:latin typeface="Ant" panose="02000600000000000000" pitchFamily="50" charset="0"/>
+              </a:rPr>
+              <a:t>I</a:t>
+            </a:r>
+            <a:endParaRPr lang="da-DK" sz="2400" b="1" dirty="0">
+              <a:ln>
+                <a:solidFill>
+                  <a:schemeClr val="tx1"/>
+                </a:solidFill>
+              </a:ln>
             </a:endParaRPr>
           </a:p>
         </p:txBody>

--- a/Myrestartskaerm.pptx
+++ b/Myrestartskaerm.pptx
@@ -10,7 +10,8 @@
     <p:sldId id="258" r:id="rId4"/>
     <p:sldId id="260" r:id="rId5"/>
     <p:sldId id="259" r:id="rId6"/>
-    <p:sldId id="261" r:id="rId7"/>
+    <p:sldId id="262" r:id="rId7"/>
+    <p:sldId id="261" r:id="rId8"/>
   </p:sldIdLst>
   <p:sldSz cx="12192000" cy="6858000"/>
   <p:notesSz cx="6858000" cy="9144000"/>
@@ -5181,6 +5182,244 @@
   <p:cSld>
     <p:bg>
       <p:bgPr>
+        <a:gradFill>
+          <a:gsLst>
+            <a:gs pos="0">
+              <a:srgbClr val="FFF0C0"/>
+            </a:gs>
+            <a:gs pos="0">
+              <a:schemeClr val="accent4">
+                <a:lumMod val="0"/>
+                <a:lumOff val="100000"/>
+                <a:alpha val="96000"/>
+              </a:schemeClr>
+            </a:gs>
+            <a:gs pos="95000">
+              <a:schemeClr val="accent1"/>
+            </a:gs>
+          </a:gsLst>
+          <a:path path="circle">
+            <a:fillToRect r="100000" b="100000"/>
+          </a:path>
+        </a:gradFill>
+        <a:effectLst/>
+      </p:bgPr>
+    </p:bg>
+    <p:spTree>
+      <p:nvGrpSpPr>
+        <p:cNvPr id="1" name=""/>
+        <p:cNvGrpSpPr/>
+        <p:nvPr/>
+      </p:nvGrpSpPr>
+      <p:grpSpPr>
+        <a:xfrm>
+          <a:off x="0" y="0"/>
+          <a:ext cx="0" cy="0"/>
+          <a:chOff x="0" y="0"/>
+          <a:chExt cx="0" cy="0"/>
+        </a:xfrm>
+      </p:grpSpPr>
+      <p:grpSp>
+        <p:nvGrpSpPr>
+          <p:cNvPr id="3" name="Gruppe 2">
+            <a:extLst>
+              <a:ext uri="{FF2B5EF4-FFF2-40B4-BE49-F238E27FC236}">
+                <a16:creationId xmlns:a16="http://schemas.microsoft.com/office/drawing/2014/main" id="{5E8550E7-61DB-EC6A-BC50-3BAADE43EFCC}"/>
+              </a:ext>
+            </a:extLst>
+          </p:cNvPr>
+          <p:cNvGrpSpPr>
+            <a:grpSpLocks noChangeAspect="1"/>
+          </p:cNvGrpSpPr>
+          <p:nvPr/>
+        </p:nvGrpSpPr>
+        <p:grpSpPr>
+          <a:xfrm>
+            <a:off x="-21821900" y="2245652"/>
+            <a:ext cx="34013900" cy="13233834"/>
+            <a:chOff x="747" y="2115023"/>
+            <a:chExt cx="12190507" cy="4742977"/>
+          </a:xfrm>
+        </p:grpSpPr>
+        <p:sp>
+          <p:nvSpPr>
+            <p:cNvPr id="2" name="Rutediagram: Dokument 1">
+              <a:extLst>
+                <a:ext uri="{FF2B5EF4-FFF2-40B4-BE49-F238E27FC236}">
+                  <a16:creationId xmlns:a16="http://schemas.microsoft.com/office/drawing/2014/main" id="{9933664A-A3BA-694B-57AE-6DE859079353}"/>
+                </a:ext>
+              </a:extLst>
+            </p:cNvPr>
+            <p:cNvSpPr>
+              <a:spLocks noChangeAspect="1"/>
+            </p:cNvSpPr>
+            <p:nvPr/>
+          </p:nvSpPr>
+          <p:spPr>
+            <a:xfrm rot="10800000">
+              <a:off x="747" y="2698845"/>
+              <a:ext cx="12190507" cy="4159155"/>
+            </a:xfrm>
+            <a:prstGeom prst="flowChartDocument">
+              <a:avLst/>
+            </a:prstGeom>
+            <a:gradFill flip="none" rotWithShape="1">
+              <a:gsLst>
+                <a:gs pos="23000">
+                  <a:schemeClr val="accent6">
+                    <a:lumMod val="75000"/>
+                  </a:schemeClr>
+                </a:gs>
+                <a:gs pos="0">
+                  <a:schemeClr val="accent6">
+                    <a:lumMod val="60000"/>
+                    <a:lumOff val="40000"/>
+                  </a:schemeClr>
+                </a:gs>
+                <a:gs pos="67000">
+                  <a:schemeClr val="accent6">
+                    <a:lumMod val="60000"/>
+                    <a:lumOff val="40000"/>
+                  </a:schemeClr>
+                </a:gs>
+                <a:gs pos="100000">
+                  <a:schemeClr val="accent6">
+                    <a:lumMod val="75000"/>
+                  </a:schemeClr>
+                </a:gs>
+              </a:gsLst>
+              <a:lin ang="2700000" scaled="1"/>
+              <a:tileRect/>
+            </a:gradFill>
+            <a:ln>
+              <a:noFill/>
+            </a:ln>
+          </p:spPr>
+          <p:style>
+            <a:lnRef idx="2">
+              <a:schemeClr val="accent1">
+                <a:shade val="50000"/>
+              </a:schemeClr>
+            </a:lnRef>
+            <a:fillRef idx="1">
+              <a:schemeClr val="accent1"/>
+            </a:fillRef>
+            <a:effectRef idx="0">
+              <a:schemeClr val="accent1"/>
+            </a:effectRef>
+            <a:fontRef idx="minor">
+              <a:schemeClr val="lt1"/>
+            </a:fontRef>
+          </p:style>
+          <p:txBody>
+            <a:bodyPr rtlCol="0" anchor="ctr"/>
+            <a:lstStyle/>
+            <a:p>
+              <a:pPr algn="ctr"/>
+              <a:endParaRPr lang="da-DK" sz="6049"/>
+            </a:p>
+          </p:txBody>
+        </p:sp>
+        <p:pic>
+          <p:nvPicPr>
+            <p:cNvPr id="2052" name="Picture 4" descr="54,425 Small House Illustrations &amp; Clip Art - iStock">
+              <a:extLst>
+                <a:ext uri="{FF2B5EF4-FFF2-40B4-BE49-F238E27FC236}">
+                  <a16:creationId xmlns:a16="http://schemas.microsoft.com/office/drawing/2014/main" id="{3957EEC0-9819-1968-181F-AF54AFE053B3}"/>
+                </a:ext>
+              </a:extLst>
+            </p:cNvPr>
+            <p:cNvPicPr>
+              <a:picLocks noChangeAspect="1" noChangeArrowheads="1"/>
+            </p:cNvPicPr>
+            <p:nvPr/>
+          </p:nvPicPr>
+          <p:blipFill>
+            <a:blip r:embed="rId2">
+              <a:extLst>
+                <a:ext uri="{BEBA8EAE-BF5A-486C-A8C5-ECC9F3942E4B}">
+                  <a14:imgProps xmlns:a14="http://schemas.microsoft.com/office/drawing/2010/main">
+                    <a14:imgLayer r:embed="rId3">
+                      <a14:imgEffect>
+                        <a14:backgroundRemoval t="4643" b="96429" l="1797" r="97386">
+                          <a14:foregroundMark x1="9150" y1="93393" x2="54902" y2="90357"/>
+                          <a14:foregroundMark x1="54902" y1="90357" x2="75980" y2="91429"/>
+                          <a14:foregroundMark x1="75980" y1="91429" x2="76797" y2="72321"/>
+                          <a14:foregroundMark x1="76797" y1="72321" x2="60784" y2="61964"/>
+                          <a14:foregroundMark x1="60784" y1="61964" x2="51961" y2="37857"/>
+                          <a14:foregroundMark x1="51961" y1="37857" x2="34150" y2="68929"/>
+                          <a14:foregroundMark x1="34150" y1="68929" x2="20261" y2="73393"/>
+                          <a14:foregroundMark x1="7680" y1="89643" x2="12582" y2="95179"/>
+                          <a14:foregroundMark x1="20588" y1="95357" x2="48366" y2="92857"/>
+                          <a14:foregroundMark x1="23039" y1="90000" x2="33824" y2="90714"/>
+                          <a14:foregroundMark x1="38072" y1="95000" x2="51961" y2="96250"/>
+                          <a14:foregroundMark x1="75490" y1="94643" x2="91667" y2="96250"/>
+                          <a14:foregroundMark x1="91667" y1="96250" x2="80556" y2="87500"/>
+                          <a14:foregroundMark x1="80556" y1="87500" x2="79248" y2="89643"/>
+                          <a14:foregroundMark x1="59967" y1="72857" x2="63235" y2="69821"/>
+                          <a14:foregroundMark x1="75000" y1="69464" x2="78758" y2="70357"/>
+                          <a14:foregroundMark x1="82843" y1="86607" x2="91830" y2="94643"/>
+                          <a14:foregroundMark x1="92974" y1="96607" x2="93137" y2="89464"/>
+                          <a14:foregroundMark x1="96895" y1="41964" x2="97386" y2="40893"/>
+                          <a14:foregroundMark x1="81863" y1="7500" x2="69608" y2="7500"/>
+                          <a14:foregroundMark x1="55882" y1="9464" x2="44935" y2="8750"/>
+                          <a14:foregroundMark x1="44935" y1="8750" x2="44935" y2="8750"/>
+                          <a14:foregroundMark x1="47876" y1="4821" x2="52288" y2="4821"/>
+                          <a14:foregroundMark x1="1797" y1="40357" x2="9150" y2="36607"/>
+                        </a14:backgroundRemoval>
+                      </a14:imgEffect>
+                    </a14:imgLayer>
+                  </a14:imgProps>
+                </a:ext>
+                <a:ext uri="{28A0092B-C50C-407E-A947-70E740481C1C}">
+                  <a14:useLocalDpi xmlns:a14="http://schemas.microsoft.com/office/drawing/2010/main" val="0"/>
+                </a:ext>
+              </a:extLst>
+            </a:blip>
+            <a:srcRect/>
+            <a:stretch>
+              <a:fillRect/>
+            </a:stretch>
+          </p:blipFill>
+          <p:spPr bwMode="auto">
+            <a:xfrm>
+              <a:off x="8537003" y="2115023"/>
+              <a:ext cx="2487157" cy="2275340"/>
+            </a:xfrm>
+            <a:prstGeom prst="rect">
+              <a:avLst/>
+            </a:prstGeom>
+            <a:noFill/>
+            <a:extLst>
+              <a:ext uri="{909E8E84-426E-40DD-AFC4-6F175D3DCCD1}">
+                <a14:hiddenFill xmlns:a14="http://schemas.microsoft.com/office/drawing/2010/main">
+                  <a:solidFill>
+                    <a:srgbClr val="FFFFFF"/>
+                  </a:solidFill>
+                </a14:hiddenFill>
+              </a:ext>
+            </a:extLst>
+          </p:spPr>
+        </p:pic>
+      </p:grpSp>
+    </p:spTree>
+    <p:extLst>
+      <p:ext uri="{BB962C8B-B14F-4D97-AF65-F5344CB8AC3E}">
+        <p14:creationId xmlns:p14="http://schemas.microsoft.com/office/powerpoint/2010/main" val="3453685144"/>
+      </p:ext>
+    </p:extLst>
+  </p:cSld>
+  <p:clrMapOvr>
+    <a:masterClrMapping/>
+  </p:clrMapOvr>
+</p:sld>
+</file>
+
+<file path=ppt/slides/slide7.xml><?xml version="1.0" encoding="utf-8"?>
+<p:sld xmlns:a="http://schemas.openxmlformats.org/drawingml/2006/main" xmlns:r="http://schemas.openxmlformats.org/officeDocument/2006/relationships" xmlns:p="http://schemas.openxmlformats.org/presentationml/2006/main">
+  <p:cSld>
+    <p:bg>
+      <p:bgPr>
         <a:solidFill>
           <a:schemeClr val="bg1">
             <a:alpha val="0"/>

--- a/Myrestartskaerm.pptx
+++ b/Myrestartskaerm.pptx
@@ -260,7 +260,7 @@
           <a:p>
             <a:fld id="{A476F14B-F7E0-4BB8-BEDF-B5AB8B27A77B}" type="datetimeFigureOut">
               <a:rPr lang="da-DK" smtClean="0"/>
-              <a:t>16-09-2022</a:t>
+              <a:t>18-09-2022</a:t>
             </a:fld>
             <a:endParaRPr lang="da-DK"/>
           </a:p>
@@ -430,7 +430,7 @@
           <a:p>
             <a:fld id="{A476F14B-F7E0-4BB8-BEDF-B5AB8B27A77B}" type="datetimeFigureOut">
               <a:rPr lang="da-DK" smtClean="0"/>
-              <a:t>16-09-2022</a:t>
+              <a:t>18-09-2022</a:t>
             </a:fld>
             <a:endParaRPr lang="da-DK"/>
           </a:p>
@@ -610,7 +610,7 @@
           <a:p>
             <a:fld id="{A476F14B-F7E0-4BB8-BEDF-B5AB8B27A77B}" type="datetimeFigureOut">
               <a:rPr lang="da-DK" smtClean="0"/>
-              <a:t>16-09-2022</a:t>
+              <a:t>18-09-2022</a:t>
             </a:fld>
             <a:endParaRPr lang="da-DK"/>
           </a:p>
@@ -780,7 +780,7 @@
           <a:p>
             <a:fld id="{A476F14B-F7E0-4BB8-BEDF-B5AB8B27A77B}" type="datetimeFigureOut">
               <a:rPr lang="da-DK" smtClean="0"/>
-              <a:t>16-09-2022</a:t>
+              <a:t>18-09-2022</a:t>
             </a:fld>
             <a:endParaRPr lang="da-DK"/>
           </a:p>
@@ -1026,7 +1026,7 @@
           <a:p>
             <a:fld id="{A476F14B-F7E0-4BB8-BEDF-B5AB8B27A77B}" type="datetimeFigureOut">
               <a:rPr lang="da-DK" smtClean="0"/>
-              <a:t>16-09-2022</a:t>
+              <a:t>18-09-2022</a:t>
             </a:fld>
             <a:endParaRPr lang="da-DK"/>
           </a:p>
@@ -1258,7 +1258,7 @@
           <a:p>
             <a:fld id="{A476F14B-F7E0-4BB8-BEDF-B5AB8B27A77B}" type="datetimeFigureOut">
               <a:rPr lang="da-DK" smtClean="0"/>
-              <a:t>16-09-2022</a:t>
+              <a:t>18-09-2022</a:t>
             </a:fld>
             <a:endParaRPr lang="da-DK"/>
           </a:p>
@@ -1625,7 +1625,7 @@
           <a:p>
             <a:fld id="{A476F14B-F7E0-4BB8-BEDF-B5AB8B27A77B}" type="datetimeFigureOut">
               <a:rPr lang="da-DK" smtClean="0"/>
-              <a:t>16-09-2022</a:t>
+              <a:t>18-09-2022</a:t>
             </a:fld>
             <a:endParaRPr lang="da-DK"/>
           </a:p>
@@ -1743,7 +1743,7 @@
           <a:p>
             <a:fld id="{A476F14B-F7E0-4BB8-BEDF-B5AB8B27A77B}" type="datetimeFigureOut">
               <a:rPr lang="da-DK" smtClean="0"/>
-              <a:t>16-09-2022</a:t>
+              <a:t>18-09-2022</a:t>
             </a:fld>
             <a:endParaRPr lang="da-DK"/>
           </a:p>
@@ -1838,7 +1838,7 @@
           <a:p>
             <a:fld id="{A476F14B-F7E0-4BB8-BEDF-B5AB8B27A77B}" type="datetimeFigureOut">
               <a:rPr lang="da-DK" smtClean="0"/>
-              <a:t>16-09-2022</a:t>
+              <a:t>18-09-2022</a:t>
             </a:fld>
             <a:endParaRPr lang="da-DK"/>
           </a:p>
@@ -2115,7 +2115,7 @@
           <a:p>
             <a:fld id="{A476F14B-F7E0-4BB8-BEDF-B5AB8B27A77B}" type="datetimeFigureOut">
               <a:rPr lang="da-DK" smtClean="0"/>
-              <a:t>16-09-2022</a:t>
+              <a:t>18-09-2022</a:t>
             </a:fld>
             <a:endParaRPr lang="da-DK"/>
           </a:p>
@@ -2372,7 +2372,7 @@
           <a:p>
             <a:fld id="{A476F14B-F7E0-4BB8-BEDF-B5AB8B27A77B}" type="datetimeFigureOut">
               <a:rPr lang="da-DK" smtClean="0"/>
-              <a:t>16-09-2022</a:t>
+              <a:t>18-09-2022</a:t>
             </a:fld>
             <a:endParaRPr lang="da-DK"/>
           </a:p>
@@ -2585,7 +2585,7 @@
           <a:p>
             <a:fld id="{A476F14B-F7E0-4BB8-BEDF-B5AB8B27A77B}" type="datetimeFigureOut">
               <a:rPr lang="da-DK" smtClean="0"/>
-              <a:t>16-09-2022</a:t>
+              <a:t>18-09-2022</a:t>
             </a:fld>
             <a:endParaRPr lang="da-DK"/>
           </a:p>
@@ -4333,7 +4333,7 @@
         <p:spPr>
           <a:xfrm>
             <a:off x="2413220" y="1129748"/>
-            <a:ext cx="5257579" cy="1077218"/>
+            <a:ext cx="6502180" cy="1569660"/>
           </a:xfrm>
           <a:prstGeom prst="rect">
             <a:avLst/>
@@ -4350,15 +4350,18 @@
               <a:rPr lang="da-DK" sz="3200" b="1" dirty="0">
                 <a:latin typeface="Ant" panose="02000600000000000000" pitchFamily="50" charset="0"/>
               </a:rPr>
-              <a:t>TRXK PA 		</a:t>
-            </a:r>
-          </a:p>
-          <a:p>
-            <a:r>
+              <a:t>NAR ALT SKRALDET ER SORTERET KLIK PA</a:t>
+            </a:r>
+            <a:br>
               <a:rPr lang="da-DK" sz="3200" b="1" dirty="0">
                 <a:latin typeface="Ant" panose="02000600000000000000" pitchFamily="50" charset="0"/>
               </a:rPr>
-              <a:t>FOR AT SMIDE SKRALD IGEN</a:t>
+            </a:br>
+            <a:r>
+              <a:rPr lang="da-DK" sz="3200" b="1" dirty="0">
+                <a:latin typeface="Ant" panose="02000600000000000000" pitchFamily="50" charset="0"/>
+              </a:rPr>
+              <a:t>VED DOREN FOR AT KLARE BANEN </a:t>
             </a:r>
           </a:p>
         </p:txBody>
@@ -4377,7 +4380,7 @@
         </p:nvSpPr>
         <p:spPr>
           <a:xfrm rot="5400000">
-            <a:off x="3549709" y="1149291"/>
+            <a:off x="2549584" y="1161818"/>
             <a:ext cx="629047" cy="382786"/>
           </a:xfrm>
           <a:prstGeom prst="rect">
@@ -4426,7 +4429,7 @@
         </p:nvSpPr>
         <p:spPr>
           <a:xfrm>
-            <a:off x="4096266" y="1115208"/>
+            <a:off x="3943866" y="1644578"/>
             <a:ext cx="3240000" cy="540000"/>
           </a:xfrm>
           <a:prstGeom prst="roundRect">
@@ -4707,7 +4710,7 @@
         </p:nvSpPr>
         <p:spPr>
           <a:xfrm>
-            <a:off x="6220460" y="440684"/>
+            <a:off x="6582410" y="4516197"/>
             <a:ext cx="5349106" cy="1800000"/>
           </a:xfrm>
           <a:prstGeom prst="roundRect">
@@ -4809,6 +4812,104 @@
         <p:spPr>
           <a:xfrm rot="1907924">
             <a:off x="6170425" y="3464483"/>
+            <a:ext cx="629047" cy="461665"/>
+          </a:xfrm>
+          <a:prstGeom prst="rect">
+            <a:avLst/>
+          </a:prstGeom>
+          <a:noFill/>
+        </p:spPr>
+        <p:txBody>
+          <a:bodyPr wrap="square">
+            <a:spAutoFit/>
+          </a:bodyPr>
+          <a:lstStyle/>
+          <a:p>
+            <a:r>
+              <a:rPr lang="da-DK" sz="2400" b="1" dirty="0">
+                <a:ln>
+                  <a:solidFill>
+                    <a:schemeClr val="tx1"/>
+                  </a:solidFill>
+                </a:ln>
+                <a:latin typeface="Ant" panose="02000600000000000000" pitchFamily="50" charset="0"/>
+              </a:rPr>
+              <a:t>I</a:t>
+            </a:r>
+            <a:endParaRPr lang="da-DK" sz="2400" b="1" dirty="0">
+              <a:ln>
+                <a:solidFill>
+                  <a:schemeClr val="tx1"/>
+                </a:solidFill>
+              </a:ln>
+            </a:endParaRPr>
+          </a:p>
+        </p:txBody>
+      </p:sp>
+      <p:sp>
+        <p:nvSpPr>
+          <p:cNvPr id="2" name="Tekstfelt 1">
+            <a:extLst>
+              <a:ext uri="{FF2B5EF4-FFF2-40B4-BE49-F238E27FC236}">
+                <a16:creationId xmlns:a16="http://schemas.microsoft.com/office/drawing/2014/main" id="{C9B23966-382D-7490-80A9-30A7BF8B4C8C}"/>
+              </a:ext>
+            </a:extLst>
+          </p:cNvPr>
+          <p:cNvSpPr txBox="1"/>
+          <p:nvPr/>
+        </p:nvSpPr>
+        <p:spPr>
+          <a:xfrm rot="5400000">
+            <a:off x="3387784" y="1650769"/>
+            <a:ext cx="629047" cy="382786"/>
+          </a:xfrm>
+          <a:prstGeom prst="rect">
+            <a:avLst/>
+          </a:prstGeom>
+          <a:noFill/>
+        </p:spPr>
+        <p:txBody>
+          <a:bodyPr wrap="square">
+            <a:spAutoFit/>
+          </a:bodyPr>
+          <a:lstStyle/>
+          <a:p>
+            <a:r>
+              <a:rPr lang="da-DK" sz="1800" b="1" dirty="0">
+                <a:ln>
+                  <a:solidFill>
+                    <a:schemeClr val="tx1"/>
+                  </a:solidFill>
+                </a:ln>
+                <a:latin typeface="Ant" panose="02000600000000000000" pitchFamily="50" charset="0"/>
+              </a:rPr>
+              <a:t>O</a:t>
+            </a:r>
+            <a:endParaRPr lang="da-DK" b="1" dirty="0">
+              <a:ln>
+                <a:solidFill>
+                  <a:schemeClr val="tx1"/>
+                </a:solidFill>
+              </a:ln>
+            </a:endParaRPr>
+          </a:p>
+        </p:txBody>
+      </p:sp>
+      <p:sp>
+        <p:nvSpPr>
+          <p:cNvPr id="6" name="Tekstfelt 5">
+            <a:extLst>
+              <a:ext uri="{FF2B5EF4-FFF2-40B4-BE49-F238E27FC236}">
+                <a16:creationId xmlns:a16="http://schemas.microsoft.com/office/drawing/2014/main" id="{AFBDDD3F-9061-7D74-DC41-8EC1A9DDD132}"/>
+              </a:ext>
+            </a:extLst>
+          </p:cNvPr>
+          <p:cNvSpPr txBox="1"/>
+          <p:nvPr/>
+        </p:nvSpPr>
+        <p:spPr>
+          <a:xfrm rot="1907924">
+            <a:off x="3509658" y="2287773"/>
             <a:ext cx="629047" cy="461665"/>
           </a:xfrm>
           <a:prstGeom prst="rect">
